--- a/template/sawakai_template.pptx
+++ b/template/sawakai_template.pptx
@@ -230,7 +230,7 @@
           <a:p>
             <a:fld id="{11C3DA16-4D10-4E7A-BCD4-4885434ACDA6}" type="datetimeFigureOut">
               <a:rPr kumimoji="1" lang="ja-JP" altLang="en-US" smtClean="0"/>
-              <a:t>2024/8/16</a:t>
+              <a:t>2024/10/3</a:t>
             </a:fld>
             <a:endParaRPr kumimoji="1" lang="ja-JP" altLang="en-US"/>
           </a:p>
@@ -407,7 +407,7 @@
           <a:p>
             <a:fld id="{02F769FA-2A12-405C-A1DC-065603B898B9}" type="datetimeFigureOut">
               <a:rPr kumimoji="1" lang="ja-JP" altLang="en-US" smtClean="0"/>
-              <a:t>2024/8/16</a:t>
+              <a:t>2024/10/3</a:t>
             </a:fld>
             <a:endParaRPr kumimoji="1" lang="ja-JP" altLang="en-US"/>
           </a:p>
@@ -745,7 +745,7 @@
             <a:ext cx="8337550" cy="6858000"/>
           </a:xfrm>
           <a:solidFill>
-            <a:srgbClr val="70C0BC"/>
+            <a:srgbClr val="197A75"/>
           </a:solidFill>
         </p:spPr>
         <p:txBody>
@@ -910,7 +910,7 @@
             <a:ext cx="12192000" cy="415770"/>
           </a:xfrm>
           <a:solidFill>
-            <a:srgbClr val="70C0BC"/>
+            <a:srgbClr val="197A75"/>
           </a:solidFill>
         </p:spPr>
         <p:txBody>
@@ -986,7 +986,7 @@
             <a:ext cx="12192000" cy="6858000"/>
           </a:xfrm>
           <a:solidFill>
-            <a:srgbClr val="70C0BC"/>
+            <a:srgbClr val="197A75"/>
           </a:solidFill>
         </p:spPr>
         <p:txBody>
@@ -1090,7 +1090,7 @@
             <a:ext cx="12192000" cy="415770"/>
           </a:xfrm>
           <a:solidFill>
-            <a:srgbClr val="70C0BC"/>
+            <a:srgbClr val="197A75"/>
           </a:solidFill>
         </p:spPr>
         <p:txBody>
@@ -1167,7 +1167,7 @@
             </a:avLst>
           </a:prstGeom>
           <a:solidFill>
-            <a:srgbClr val="70C0BC"/>
+            <a:srgbClr val="197A75"/>
           </a:solidFill>
           <a:ln>
             <a:noFill/>
@@ -1342,7 +1342,7 @@
             <a:ext cx="12192000" cy="415770"/>
           </a:xfrm>
           <a:solidFill>
-            <a:srgbClr val="70C0BC"/>
+            <a:srgbClr val="197A75"/>
           </a:solidFill>
         </p:spPr>
         <p:txBody>
@@ -1502,7 +1502,7 @@
             </a:avLst>
           </a:prstGeom>
           <a:solidFill>
-            <a:srgbClr val="70C0BC"/>
+            <a:srgbClr val="197A75"/>
           </a:solidFill>
           <a:ln>
             <a:noFill/>
@@ -1638,7 +1638,7 @@
             <a:ext cx="12192000" cy="415770"/>
           </a:xfrm>
           <a:solidFill>
-            <a:srgbClr val="70C0BC"/>
+            <a:srgbClr val="197A75"/>
           </a:solidFill>
         </p:spPr>
         <p:txBody>
@@ -1715,7 +1715,7 @@
             </a:avLst>
           </a:prstGeom>
           <a:solidFill>
-            <a:srgbClr val="70C0BC"/>
+            <a:srgbClr val="197A75"/>
           </a:solidFill>
           <a:ln>
             <a:noFill/>
@@ -2663,7 +2663,7 @@
             <a:ext cx="8737601" cy="6858000"/>
           </a:xfrm>
           <a:solidFill>
-            <a:srgbClr val="70C0BC"/>
+            <a:srgbClr val="197A75"/>
           </a:solidFill>
         </p:spPr>
         <p:txBody>
@@ -2964,7 +2964,11 @@
             <p:ph type="title"/>
           </p:nvPr>
         </p:nvSpPr>
-        <p:spPr/>
+        <p:spPr>
+          <a:solidFill>
+            <a:srgbClr val="197A75"/>
+          </a:solidFill>
+        </p:spPr>
         <p:txBody>
           <a:bodyPr/>
           <a:lstStyle/>
@@ -3030,7 +3034,7 @@
           <p:nvPr>
             <p:extLst>
               <p:ext uri="{D42A27DB-BD31-4B8C-83A1-F6EECF244321}">
-                <p14:modId xmlns:p14="http://schemas.microsoft.com/office/powerpoint/2010/main" val="4282772816"/>
+                <p14:modId xmlns:p14="http://schemas.microsoft.com/office/powerpoint/2010/main" val="604469772"/>
               </p:ext>
             </p:extLst>
           </p:nvPr>
@@ -3100,7 +3104,7 @@
                   <a:tcPr anchor="ctr">
                     <a:lnL w="12700" cap="flat" cmpd="sng" algn="ctr">
                       <a:solidFill>
-                        <a:srgbClr val="70C0BC"/>
+                        <a:srgbClr val="51AFA5"/>
                       </a:solidFill>
                       <a:prstDash val="solid"/>
                       <a:round/>
@@ -3109,7 +3113,7 @@
                     </a:lnL>
                     <a:lnR w="12700" cap="flat" cmpd="sng" algn="ctr">
                       <a:solidFill>
-                        <a:srgbClr val="70C0BC"/>
+                        <a:srgbClr val="51AFA5"/>
                       </a:solidFill>
                       <a:prstDash val="solid"/>
                       <a:round/>
@@ -3118,7 +3122,7 @@
                     </a:lnR>
                     <a:lnT w="12700" cap="flat" cmpd="sng" algn="ctr">
                       <a:solidFill>
-                        <a:srgbClr val="70C0BC"/>
+                        <a:srgbClr val="51AFA5"/>
                       </a:solidFill>
                       <a:prstDash val="solid"/>
                       <a:round/>
@@ -3127,13 +3131,21 @@
                     </a:lnT>
                     <a:lnB w="12700" cap="flat" cmpd="sng" algn="ctr">
                       <a:solidFill>
-                        <a:srgbClr val="70C0BC"/>
+                        <a:srgbClr val="51AFA5"/>
                       </a:solidFill>
                       <a:prstDash val="solid"/>
                       <a:round/>
                       <a:headEnd type="none" w="med" len="med"/>
                       <a:tailEnd type="none" w="med" len="med"/>
                     </a:lnB>
+                    <a:lnTlToBr w="12700" cmpd="sng">
+                      <a:noFill/>
+                      <a:prstDash val="solid"/>
+                    </a:lnTlToBr>
+                    <a:lnBlToTr w="12700" cmpd="sng">
+                      <a:noFill/>
+                      <a:prstDash val="solid"/>
+                    </a:lnBlToTr>
                     <a:noFill/>
                   </a:tcPr>
                 </a:tc>
@@ -3159,7 +3171,7 @@
                   <a:tcPr anchor="ctr">
                     <a:lnL w="12700" cap="flat" cmpd="sng" algn="ctr">
                       <a:solidFill>
-                        <a:srgbClr val="70C0BC"/>
+                        <a:srgbClr val="51AFA5"/>
                       </a:solidFill>
                       <a:prstDash val="solid"/>
                       <a:round/>
@@ -3168,7 +3180,7 @@
                     </a:lnL>
                     <a:lnR w="12700" cap="flat" cmpd="sng" algn="ctr">
                       <a:solidFill>
-                        <a:srgbClr val="70C0BC"/>
+                        <a:srgbClr val="51AFA5"/>
                       </a:solidFill>
                       <a:prstDash val="solid"/>
                       <a:round/>
@@ -3177,7 +3189,7 @@
                     </a:lnR>
                     <a:lnT w="12700" cap="flat" cmpd="sng" algn="ctr">
                       <a:solidFill>
-                        <a:srgbClr val="70C0BC"/>
+                        <a:srgbClr val="51AFA5"/>
                       </a:solidFill>
                       <a:prstDash val="solid"/>
                       <a:round/>
@@ -3186,13 +3198,21 @@
                     </a:lnT>
                     <a:lnB w="12700" cap="flat" cmpd="sng" algn="ctr">
                       <a:solidFill>
-                        <a:srgbClr val="70C0BC"/>
+                        <a:srgbClr val="51AFA5"/>
                       </a:solidFill>
                       <a:prstDash val="solid"/>
                       <a:round/>
                       <a:headEnd type="none" w="med" len="med"/>
                       <a:tailEnd type="none" w="med" len="med"/>
                     </a:lnB>
+                    <a:lnTlToBr w="12700" cmpd="sng">
+                      <a:noFill/>
+                      <a:prstDash val="solid"/>
+                    </a:lnTlToBr>
+                    <a:lnBlToTr w="12700" cmpd="sng">
+                      <a:noFill/>
+                      <a:prstDash val="solid"/>
+                    </a:lnBlToTr>
                     <a:noFill/>
                   </a:tcPr>
                 </a:tc>
@@ -3244,7 +3264,7 @@
                   <a:tcPr anchor="ctr">
                     <a:lnL w="12700" cap="flat" cmpd="sng" algn="ctr">
                       <a:solidFill>
-                        <a:srgbClr val="70C0BC"/>
+                        <a:srgbClr val="51AFA5"/>
                       </a:solidFill>
                       <a:prstDash val="solid"/>
                       <a:round/>
@@ -3253,7 +3273,7 @@
                     </a:lnL>
                     <a:lnR w="12700" cap="flat" cmpd="sng" algn="ctr">
                       <a:solidFill>
-                        <a:srgbClr val="70C0BC"/>
+                        <a:srgbClr val="51AFA5"/>
                       </a:solidFill>
                       <a:prstDash val="solid"/>
                       <a:round/>
@@ -3262,7 +3282,7 @@
                     </a:lnR>
                     <a:lnT w="12700" cap="flat" cmpd="sng" algn="ctr">
                       <a:solidFill>
-                        <a:srgbClr val="70C0BC"/>
+                        <a:srgbClr val="51AFA5"/>
                       </a:solidFill>
                       <a:prstDash val="solid"/>
                       <a:round/>
@@ -3271,13 +3291,21 @@
                     </a:lnT>
                     <a:lnB w="12700" cap="flat" cmpd="sng" algn="ctr">
                       <a:solidFill>
-                        <a:srgbClr val="70C0BC"/>
+                        <a:srgbClr val="51AFA5"/>
                       </a:solidFill>
                       <a:prstDash val="solid"/>
                       <a:round/>
                       <a:headEnd type="none" w="med" len="med"/>
                       <a:tailEnd type="none" w="med" len="med"/>
                     </a:lnB>
+                    <a:lnTlToBr w="12700" cmpd="sng">
+                      <a:noFill/>
+                      <a:prstDash val="solid"/>
+                    </a:lnTlToBr>
+                    <a:lnBlToTr w="12700" cmpd="sng">
+                      <a:noFill/>
+                      <a:prstDash val="solid"/>
+                    </a:lnBlToTr>
                     <a:noFill/>
                   </a:tcPr>
                 </a:tc>
@@ -3307,7 +3335,7 @@
                   <a:tcPr anchor="ctr">
                     <a:lnL w="12700" cap="flat" cmpd="sng" algn="ctr">
                       <a:solidFill>
-                        <a:srgbClr val="70C0BC"/>
+                        <a:srgbClr val="51AFA5"/>
                       </a:solidFill>
                       <a:prstDash val="solid"/>
                       <a:round/>
@@ -3316,7 +3344,7 @@
                     </a:lnL>
                     <a:lnR w="12700" cap="flat" cmpd="sng" algn="ctr">
                       <a:solidFill>
-                        <a:srgbClr val="70C0BC"/>
+                        <a:srgbClr val="51AFA5"/>
                       </a:solidFill>
                       <a:prstDash val="solid"/>
                       <a:round/>
@@ -3325,7 +3353,7 @@
                     </a:lnR>
                     <a:lnT w="12700" cap="flat" cmpd="sng" algn="ctr">
                       <a:solidFill>
-                        <a:srgbClr val="70C0BC"/>
+                        <a:srgbClr val="51AFA5"/>
                       </a:solidFill>
                       <a:prstDash val="solid"/>
                       <a:round/>
@@ -3334,13 +3362,21 @@
                     </a:lnT>
                     <a:lnB w="12700" cap="flat" cmpd="sng" algn="ctr">
                       <a:solidFill>
-                        <a:srgbClr val="70C0BC"/>
+                        <a:srgbClr val="51AFA5"/>
                       </a:solidFill>
                       <a:prstDash val="solid"/>
                       <a:round/>
                       <a:headEnd type="none" w="med" len="med"/>
                       <a:tailEnd type="none" w="med" len="med"/>
                     </a:lnB>
+                    <a:lnTlToBr w="12700" cmpd="sng">
+                      <a:noFill/>
+                      <a:prstDash val="solid"/>
+                    </a:lnTlToBr>
+                    <a:lnBlToTr w="12700" cmpd="sng">
+                      <a:noFill/>
+                      <a:prstDash val="solid"/>
+                    </a:lnBlToTr>
                   </a:tcPr>
                 </a:tc>
                 <a:tc>
@@ -3359,7 +3395,7 @@
                   <a:tcPr anchor="ctr">
                     <a:lnL w="12700" cap="flat" cmpd="sng" algn="ctr">
                       <a:solidFill>
-                        <a:srgbClr val="70C0BC"/>
+                        <a:srgbClr val="51AFA5"/>
                       </a:solidFill>
                       <a:prstDash val="solid"/>
                       <a:round/>
@@ -3368,7 +3404,7 @@
                     </a:lnL>
                     <a:lnR w="12700" cap="flat" cmpd="sng" algn="ctr">
                       <a:solidFill>
-                        <a:srgbClr val="70C0BC"/>
+                        <a:srgbClr val="51AFA5"/>
                       </a:solidFill>
                       <a:prstDash val="solid"/>
                       <a:round/>
@@ -3377,7 +3413,7 @@
                     </a:lnR>
                     <a:lnT w="12700" cap="flat" cmpd="sng" algn="ctr">
                       <a:solidFill>
-                        <a:srgbClr val="70C0BC"/>
+                        <a:srgbClr val="51AFA5"/>
                       </a:solidFill>
                       <a:prstDash val="solid"/>
                       <a:round/>
@@ -3386,13 +3422,21 @@
                     </a:lnT>
                     <a:lnB w="12700" cap="flat" cmpd="sng" algn="ctr">
                       <a:solidFill>
-                        <a:srgbClr val="70C0BC"/>
+                        <a:srgbClr val="51AFA5"/>
                       </a:solidFill>
                       <a:prstDash val="solid"/>
                       <a:round/>
                       <a:headEnd type="none" w="med" len="med"/>
                       <a:tailEnd type="none" w="med" len="med"/>
                     </a:lnB>
+                    <a:lnTlToBr w="12700" cmpd="sng">
+                      <a:noFill/>
+                      <a:prstDash val="solid"/>
+                    </a:lnTlToBr>
+                    <a:lnBlToTr w="12700" cmpd="sng">
+                      <a:noFill/>
+                      <a:prstDash val="solid"/>
+                    </a:lnBlToTr>
                   </a:tcPr>
                 </a:tc>
                 <a:tc>
@@ -3418,7 +3462,7 @@
                   <a:tcPr anchor="ctr">
                     <a:lnL w="12700" cap="flat" cmpd="sng" algn="ctr">
                       <a:solidFill>
-                        <a:srgbClr val="70C0BC"/>
+                        <a:srgbClr val="51AFA5"/>
                       </a:solidFill>
                       <a:prstDash val="solid"/>
                       <a:round/>
@@ -3427,7 +3471,7 @@
                     </a:lnL>
                     <a:lnR w="12700" cap="flat" cmpd="sng" algn="ctr">
                       <a:solidFill>
-                        <a:srgbClr val="70C0BC"/>
+                        <a:srgbClr val="51AFA5"/>
                       </a:solidFill>
                       <a:prstDash val="solid"/>
                       <a:round/>
@@ -3436,7 +3480,7 @@
                     </a:lnR>
                     <a:lnT w="12700" cap="flat" cmpd="sng" algn="ctr">
                       <a:solidFill>
-                        <a:srgbClr val="70C0BC"/>
+                        <a:srgbClr val="51AFA5"/>
                       </a:solidFill>
                       <a:prstDash val="solid"/>
                       <a:round/>
@@ -3445,13 +3489,21 @@
                     </a:lnT>
                     <a:lnB w="12700" cap="flat" cmpd="sng" algn="ctr">
                       <a:solidFill>
-                        <a:srgbClr val="70C0BC"/>
+                        <a:srgbClr val="51AFA5"/>
                       </a:solidFill>
                       <a:prstDash val="solid"/>
                       <a:round/>
                       <a:headEnd type="none" w="med" len="med"/>
                       <a:tailEnd type="none" w="med" len="med"/>
                     </a:lnB>
+                    <a:lnTlToBr w="12700" cmpd="sng">
+                      <a:noFill/>
+                      <a:prstDash val="solid"/>
+                    </a:lnTlToBr>
+                    <a:lnBlToTr w="12700" cmpd="sng">
+                      <a:noFill/>
+                      <a:prstDash val="solid"/>
+                    </a:lnBlToTr>
                   </a:tcPr>
                 </a:tc>
                 <a:extLst>
@@ -3584,7 +3636,11 @@
             <p:ph type="title"/>
           </p:nvPr>
         </p:nvSpPr>
-        <p:spPr/>
+        <p:spPr>
+          <a:solidFill>
+            <a:srgbClr val="197A75"/>
+          </a:solidFill>
+        </p:spPr>
         <p:txBody>
           <a:bodyPr/>
           <a:lstStyle/>
@@ -3612,7 +3668,7 @@
             <p:ph sz="quarter" idx="4294967295"/>
             <p:extLst>
               <p:ext uri="{D42A27DB-BD31-4B8C-83A1-F6EECF244321}">
-                <p14:modId xmlns:p14="http://schemas.microsoft.com/office/powerpoint/2010/main" val="4081677840"/>
+                <p14:modId xmlns:p14="http://schemas.microsoft.com/office/powerpoint/2010/main" val="4187880448"/>
               </p:ext>
             </p:extLst>
           </p:nvPr>
@@ -3682,7 +3738,7 @@
                   <a:tcPr>
                     <a:lnL w="12700" cap="flat" cmpd="sng" algn="ctr">
                       <a:solidFill>
-                        <a:srgbClr val="70C0BC"/>
+                        <a:srgbClr val="197A75"/>
                       </a:solidFill>
                       <a:prstDash val="solid"/>
                       <a:round/>
@@ -3691,7 +3747,7 @@
                     </a:lnL>
                     <a:lnR w="12700" cap="flat" cmpd="sng" algn="ctr">
                       <a:solidFill>
-                        <a:srgbClr val="70C0BC"/>
+                        <a:srgbClr val="197A75"/>
                       </a:solidFill>
                       <a:prstDash val="solid"/>
                       <a:round/>
@@ -3700,7 +3756,7 @@
                     </a:lnR>
                     <a:lnT w="12700" cap="flat" cmpd="sng" algn="ctr">
                       <a:solidFill>
-                        <a:srgbClr val="70C0BC"/>
+                        <a:srgbClr val="197A75"/>
                       </a:solidFill>
                       <a:prstDash val="solid"/>
                       <a:round/>
@@ -3709,7 +3765,7 @@
                     </a:lnT>
                     <a:lnB w="12700" cap="flat" cmpd="sng" algn="ctr">
                       <a:solidFill>
-                        <a:srgbClr val="70C0BC"/>
+                        <a:srgbClr val="197A75"/>
                       </a:solidFill>
                       <a:prstDash val="solid"/>
                       <a:round/>
@@ -3717,7 +3773,7 @@
                       <a:tailEnd type="none" w="med" len="med"/>
                     </a:lnB>
                     <a:solidFill>
-                      <a:srgbClr val="70C0BC"/>
+                      <a:srgbClr val="197A75"/>
                     </a:solidFill>
                   </a:tcPr>
                 </a:tc>
@@ -3736,7 +3792,7 @@
                   <a:tcPr>
                     <a:lnL w="12700" cap="flat" cmpd="sng" algn="ctr">
                       <a:solidFill>
-                        <a:srgbClr val="70C0BC"/>
+                        <a:srgbClr val="197A75"/>
                       </a:solidFill>
                       <a:prstDash val="solid"/>
                       <a:round/>
@@ -3745,7 +3801,7 @@
                     </a:lnL>
                     <a:lnR w="12700" cap="flat" cmpd="sng" algn="ctr">
                       <a:solidFill>
-                        <a:srgbClr val="70C0BC"/>
+                        <a:srgbClr val="197A75"/>
                       </a:solidFill>
                       <a:prstDash val="solid"/>
                       <a:round/>
@@ -3754,7 +3810,7 @@
                     </a:lnR>
                     <a:lnT w="12700" cap="flat" cmpd="sng" algn="ctr">
                       <a:solidFill>
-                        <a:srgbClr val="70C0BC"/>
+                        <a:srgbClr val="197A75"/>
                       </a:solidFill>
                       <a:prstDash val="solid"/>
                       <a:round/>
@@ -3763,7 +3819,7 @@
                     </a:lnT>
                     <a:lnB w="12700" cap="flat" cmpd="sng" algn="ctr">
                       <a:solidFill>
-                        <a:srgbClr val="70C0BC"/>
+                        <a:srgbClr val="197A75"/>
                       </a:solidFill>
                       <a:prstDash val="solid"/>
                       <a:round/>
@@ -3771,7 +3827,7 @@
                       <a:tailEnd type="none" w="med" len="med"/>
                     </a:lnB>
                     <a:solidFill>
-                      <a:srgbClr val="70C0BC"/>
+                      <a:srgbClr val="197A75"/>
                     </a:solidFill>
                   </a:tcPr>
                 </a:tc>
@@ -3790,7 +3846,7 @@
                   <a:tcPr>
                     <a:lnL w="12700" cap="flat" cmpd="sng" algn="ctr">
                       <a:solidFill>
-                        <a:srgbClr val="70C0BC"/>
+                        <a:srgbClr val="197A75"/>
                       </a:solidFill>
                       <a:prstDash val="solid"/>
                       <a:round/>
@@ -3799,7 +3855,7 @@
                     </a:lnL>
                     <a:lnR w="12700" cap="flat" cmpd="sng" algn="ctr">
                       <a:solidFill>
-                        <a:srgbClr val="70C0BC"/>
+                        <a:srgbClr val="197A75"/>
                       </a:solidFill>
                       <a:prstDash val="solid"/>
                       <a:round/>
@@ -3808,7 +3864,7 @@
                     </a:lnR>
                     <a:lnT w="12700" cap="flat" cmpd="sng" algn="ctr">
                       <a:solidFill>
-                        <a:srgbClr val="70C0BC"/>
+                        <a:srgbClr val="197A75"/>
                       </a:solidFill>
                       <a:prstDash val="solid"/>
                       <a:round/>
@@ -3817,7 +3873,7 @@
                     </a:lnT>
                     <a:lnB w="12700" cap="flat" cmpd="sng" algn="ctr">
                       <a:solidFill>
-                        <a:srgbClr val="70C0BC"/>
+                        <a:srgbClr val="197A75"/>
                       </a:solidFill>
                       <a:prstDash val="solid"/>
                       <a:round/>
@@ -3825,7 +3881,7 @@
                       <a:tailEnd type="none" w="med" len="med"/>
                     </a:lnB>
                     <a:solidFill>
-                      <a:srgbClr val="70C0BC"/>
+                      <a:srgbClr val="197A75"/>
                     </a:solidFill>
                   </a:tcPr>
                 </a:tc>
@@ -3874,7 +3930,7 @@
                   <a:tcPr>
                     <a:lnL w="12700" cap="flat" cmpd="sng" algn="ctr">
                       <a:solidFill>
-                        <a:srgbClr val="70C0BC"/>
+                        <a:srgbClr val="197A75"/>
                       </a:solidFill>
                       <a:prstDash val="solid"/>
                       <a:round/>
@@ -3883,7 +3939,7 @@
                     </a:lnL>
                     <a:lnR w="12700" cap="flat" cmpd="sng" algn="ctr">
                       <a:solidFill>
-                        <a:srgbClr val="70C0BC"/>
+                        <a:srgbClr val="197A75"/>
                       </a:solidFill>
                       <a:prstDash val="solid"/>
                       <a:round/>
@@ -3892,7 +3948,7 @@
                     </a:lnR>
                     <a:lnT w="12700" cap="flat" cmpd="sng" algn="ctr">
                       <a:solidFill>
-                        <a:srgbClr val="70C0BC"/>
+                        <a:srgbClr val="197A75"/>
                       </a:solidFill>
                       <a:prstDash val="solid"/>
                       <a:round/>
@@ -3901,13 +3957,21 @@
                     </a:lnT>
                     <a:lnB w="12700" cap="flat" cmpd="sng" algn="ctr">
                       <a:solidFill>
-                        <a:srgbClr val="70C0BC"/>
+                        <a:srgbClr val="197A75"/>
                       </a:solidFill>
                       <a:prstDash val="solid"/>
                       <a:round/>
                       <a:headEnd type="none" w="med" len="med"/>
                       <a:tailEnd type="none" w="med" len="med"/>
                     </a:lnB>
+                    <a:lnTlToBr w="12700" cmpd="sng">
+                      <a:noFill/>
+                      <a:prstDash val="solid"/>
+                    </a:lnTlToBr>
+                    <a:lnBlToTr w="12700" cmpd="sng">
+                      <a:noFill/>
+                      <a:prstDash val="solid"/>
+                    </a:lnBlToTr>
                   </a:tcPr>
                 </a:tc>
                 <a:tc>
@@ -3948,7 +4012,7 @@
                   <a:tcPr>
                     <a:lnL w="12700" cap="flat" cmpd="sng" algn="ctr">
                       <a:solidFill>
-                        <a:srgbClr val="70C0BC"/>
+                        <a:srgbClr val="197A75"/>
                       </a:solidFill>
                       <a:prstDash val="solid"/>
                       <a:round/>
@@ -3957,7 +4021,7 @@
                     </a:lnL>
                     <a:lnR w="12700" cap="flat" cmpd="sng" algn="ctr">
                       <a:solidFill>
-                        <a:srgbClr val="70C0BC"/>
+                        <a:srgbClr val="197A75"/>
                       </a:solidFill>
                       <a:prstDash val="solid"/>
                       <a:round/>
@@ -3966,7 +4030,7 @@
                     </a:lnR>
                     <a:lnT w="12700" cap="flat" cmpd="sng" algn="ctr">
                       <a:solidFill>
-                        <a:srgbClr val="70C0BC"/>
+                        <a:srgbClr val="197A75"/>
                       </a:solidFill>
                       <a:prstDash val="solid"/>
                       <a:round/>
@@ -3975,13 +4039,21 @@
                     </a:lnT>
                     <a:lnB w="12700" cap="flat" cmpd="sng" algn="ctr">
                       <a:solidFill>
-                        <a:srgbClr val="70C0BC"/>
+                        <a:srgbClr val="197A75"/>
                       </a:solidFill>
                       <a:prstDash val="solid"/>
                       <a:round/>
                       <a:headEnd type="none" w="med" len="med"/>
                       <a:tailEnd type="none" w="med" len="med"/>
                     </a:lnB>
+                    <a:lnTlToBr w="12700" cmpd="sng">
+                      <a:noFill/>
+                      <a:prstDash val="solid"/>
+                    </a:lnTlToBr>
+                    <a:lnBlToTr w="12700" cmpd="sng">
+                      <a:noFill/>
+                      <a:prstDash val="solid"/>
+                    </a:lnBlToTr>
                   </a:tcPr>
                 </a:tc>
                 <a:tc>
@@ -4068,7 +4140,7 @@
                   <a:tcPr>
                     <a:lnL w="12700" cap="flat" cmpd="sng" algn="ctr">
                       <a:solidFill>
-                        <a:srgbClr val="70C0BC"/>
+                        <a:srgbClr val="197A75"/>
                       </a:solidFill>
                       <a:prstDash val="solid"/>
                       <a:round/>
@@ -4077,7 +4149,7 @@
                     </a:lnL>
                     <a:lnR w="12700" cap="flat" cmpd="sng" algn="ctr">
                       <a:solidFill>
-                        <a:srgbClr val="70C0BC"/>
+                        <a:srgbClr val="197A75"/>
                       </a:solidFill>
                       <a:prstDash val="solid"/>
                       <a:round/>
@@ -4086,7 +4158,7 @@
                     </a:lnR>
                     <a:lnT w="12700" cap="flat" cmpd="sng" algn="ctr">
                       <a:solidFill>
-                        <a:srgbClr val="70C0BC"/>
+                        <a:srgbClr val="197A75"/>
                       </a:solidFill>
                       <a:prstDash val="solid"/>
                       <a:round/>
@@ -4095,13 +4167,21 @@
                     </a:lnT>
                     <a:lnB w="12700" cap="flat" cmpd="sng" algn="ctr">
                       <a:solidFill>
-                        <a:srgbClr val="70C0BC"/>
+                        <a:srgbClr val="197A75"/>
                       </a:solidFill>
                       <a:prstDash val="solid"/>
                       <a:round/>
                       <a:headEnd type="none" w="med" len="med"/>
                       <a:tailEnd type="none" w="med" len="med"/>
                     </a:lnB>
+                    <a:lnTlToBr w="12700" cmpd="sng">
+                      <a:noFill/>
+                      <a:prstDash val="solid"/>
+                    </a:lnTlToBr>
+                    <a:lnBlToTr w="12700" cmpd="sng">
+                      <a:noFill/>
+                      <a:prstDash val="solid"/>
+                    </a:lnBlToTr>
                   </a:tcPr>
                 </a:tc>
                 <a:extLst>
@@ -4130,7 +4210,7 @@
                   <a:tcPr>
                     <a:lnL w="12700" cap="flat" cmpd="sng" algn="ctr">
                       <a:solidFill>
-                        <a:srgbClr val="70C0BC"/>
+                        <a:srgbClr val="197A75"/>
                       </a:solidFill>
                       <a:prstDash val="solid"/>
                       <a:round/>
@@ -4139,7 +4219,7 @@
                     </a:lnL>
                     <a:lnR w="12700" cap="flat" cmpd="sng" algn="ctr">
                       <a:solidFill>
-                        <a:srgbClr val="70C0BC"/>
+                        <a:srgbClr val="197A75"/>
                       </a:solidFill>
                       <a:prstDash val="solid"/>
                       <a:round/>
@@ -4148,7 +4228,7 @@
                     </a:lnR>
                     <a:lnT w="12700" cap="flat" cmpd="sng" algn="ctr">
                       <a:solidFill>
-                        <a:srgbClr val="70C0BC"/>
+                        <a:srgbClr val="197A75"/>
                       </a:solidFill>
                       <a:prstDash val="solid"/>
                       <a:round/>
@@ -4157,13 +4237,21 @@
                     </a:lnT>
                     <a:lnB w="12700" cap="flat" cmpd="sng" algn="ctr">
                       <a:solidFill>
-                        <a:srgbClr val="70C0BC"/>
+                        <a:srgbClr val="197A75"/>
                       </a:solidFill>
                       <a:prstDash val="solid"/>
                       <a:round/>
                       <a:headEnd type="none" w="med" len="med"/>
                       <a:tailEnd type="none" w="med" len="med"/>
                     </a:lnB>
+                    <a:lnTlToBr w="12700" cmpd="sng">
+                      <a:noFill/>
+                      <a:prstDash val="solid"/>
+                    </a:lnTlToBr>
+                    <a:lnBlToTr w="12700" cmpd="sng">
+                      <a:noFill/>
+                      <a:prstDash val="solid"/>
+                    </a:lnBlToTr>
                   </a:tcPr>
                 </a:tc>
                 <a:tc>
@@ -4185,7 +4273,7 @@
                   <a:tcPr>
                     <a:lnL w="12700" cap="flat" cmpd="sng" algn="ctr">
                       <a:solidFill>
-                        <a:srgbClr val="70C0BC"/>
+                        <a:srgbClr val="197A75"/>
                       </a:solidFill>
                       <a:prstDash val="solid"/>
                       <a:round/>
@@ -4194,7 +4282,7 @@
                     </a:lnL>
                     <a:lnR w="12700" cap="flat" cmpd="sng" algn="ctr">
                       <a:solidFill>
-                        <a:srgbClr val="70C0BC"/>
+                        <a:srgbClr val="197A75"/>
                       </a:solidFill>
                       <a:prstDash val="solid"/>
                       <a:round/>
@@ -4203,7 +4291,7 @@
                     </a:lnR>
                     <a:lnT w="12700" cap="flat" cmpd="sng" algn="ctr">
                       <a:solidFill>
-                        <a:srgbClr val="70C0BC"/>
+                        <a:srgbClr val="197A75"/>
                       </a:solidFill>
                       <a:prstDash val="solid"/>
                       <a:round/>
@@ -4212,13 +4300,21 @@
                     </a:lnT>
                     <a:lnB w="12700" cap="flat" cmpd="sng" algn="ctr">
                       <a:solidFill>
-                        <a:srgbClr val="70C0BC"/>
+                        <a:srgbClr val="197A75"/>
                       </a:solidFill>
                       <a:prstDash val="solid"/>
                       <a:round/>
                       <a:headEnd type="none" w="med" len="med"/>
                       <a:tailEnd type="none" w="med" len="med"/>
                     </a:lnB>
+                    <a:lnTlToBr w="12700" cmpd="sng">
+                      <a:noFill/>
+                      <a:prstDash val="solid"/>
+                    </a:lnTlToBr>
+                    <a:lnBlToTr w="12700" cmpd="sng">
+                      <a:noFill/>
+                      <a:prstDash val="solid"/>
+                    </a:lnBlToTr>
                   </a:tcPr>
                 </a:tc>
                 <a:tc>
@@ -4240,7 +4336,7 @@
                   <a:tcPr>
                     <a:lnL w="12700" cap="flat" cmpd="sng" algn="ctr">
                       <a:solidFill>
-                        <a:srgbClr val="70C0BC"/>
+                        <a:srgbClr val="197A75"/>
                       </a:solidFill>
                       <a:prstDash val="solid"/>
                       <a:round/>
@@ -4249,7 +4345,7 @@
                     </a:lnL>
                     <a:lnR w="12700" cap="flat" cmpd="sng" algn="ctr">
                       <a:solidFill>
-                        <a:srgbClr val="70C0BC"/>
+                        <a:srgbClr val="197A75"/>
                       </a:solidFill>
                       <a:prstDash val="solid"/>
                       <a:round/>
@@ -4258,7 +4354,7 @@
                     </a:lnR>
                     <a:lnT w="12700" cap="flat" cmpd="sng" algn="ctr">
                       <a:solidFill>
-                        <a:srgbClr val="70C0BC"/>
+                        <a:srgbClr val="197A75"/>
                       </a:solidFill>
                       <a:prstDash val="solid"/>
                       <a:round/>
@@ -4267,13 +4363,21 @@
                     </a:lnT>
                     <a:lnB w="12700" cap="flat" cmpd="sng" algn="ctr">
                       <a:solidFill>
-                        <a:srgbClr val="70C0BC"/>
+                        <a:srgbClr val="197A75"/>
                       </a:solidFill>
                       <a:prstDash val="solid"/>
                       <a:round/>
                       <a:headEnd type="none" w="med" len="med"/>
                       <a:tailEnd type="none" w="med" len="med"/>
                     </a:lnB>
+                    <a:lnTlToBr w="12700" cmpd="sng">
+                      <a:noFill/>
+                      <a:prstDash val="solid"/>
+                    </a:lnTlToBr>
+                    <a:lnBlToTr w="12700" cmpd="sng">
+                      <a:noFill/>
+                      <a:prstDash val="solid"/>
+                    </a:lnBlToTr>
                   </a:tcPr>
                 </a:tc>
                 <a:extLst>
@@ -4318,7 +4422,7 @@
                   <a:tcPr>
                     <a:lnL w="12700" cap="flat" cmpd="sng" algn="ctr">
                       <a:solidFill>
-                        <a:srgbClr val="70C0BC"/>
+                        <a:srgbClr val="197A75"/>
                       </a:solidFill>
                       <a:prstDash val="solid"/>
                       <a:round/>
@@ -4327,7 +4431,7 @@
                     </a:lnL>
                     <a:lnR w="12700" cap="flat" cmpd="sng" algn="ctr">
                       <a:solidFill>
-                        <a:srgbClr val="70C0BC"/>
+                        <a:srgbClr val="197A75"/>
                       </a:solidFill>
                       <a:prstDash val="solid"/>
                       <a:round/>
@@ -4336,7 +4440,7 @@
                     </a:lnR>
                     <a:lnT w="12700" cap="flat" cmpd="sng" algn="ctr">
                       <a:solidFill>
-                        <a:srgbClr val="70C0BC"/>
+                        <a:srgbClr val="197A75"/>
                       </a:solidFill>
                       <a:prstDash val="solid"/>
                       <a:round/>
@@ -4345,13 +4449,21 @@
                     </a:lnT>
                     <a:lnB w="12700" cap="flat" cmpd="sng" algn="ctr">
                       <a:solidFill>
-                        <a:srgbClr val="70C0BC"/>
+                        <a:srgbClr val="197A75"/>
                       </a:solidFill>
                       <a:prstDash val="solid"/>
                       <a:round/>
                       <a:headEnd type="none" w="med" len="med"/>
                       <a:tailEnd type="none" w="med" len="med"/>
                     </a:lnB>
+                    <a:lnTlToBr w="12700" cmpd="sng">
+                      <a:noFill/>
+                      <a:prstDash val="solid"/>
+                    </a:lnTlToBr>
+                    <a:lnBlToTr w="12700" cmpd="sng">
+                      <a:noFill/>
+                      <a:prstDash val="solid"/>
+                    </a:lnBlToTr>
                   </a:tcPr>
                 </a:tc>
                 <a:tc>
@@ -4373,7 +4485,7 @@
                   <a:tcPr>
                     <a:lnL w="12700" cap="flat" cmpd="sng" algn="ctr">
                       <a:solidFill>
-                        <a:srgbClr val="70C0BC"/>
+                        <a:srgbClr val="197A75"/>
                       </a:solidFill>
                       <a:prstDash val="solid"/>
                       <a:round/>
@@ -4382,7 +4494,7 @@
                     </a:lnL>
                     <a:lnR w="12700" cap="flat" cmpd="sng" algn="ctr">
                       <a:solidFill>
-                        <a:srgbClr val="70C0BC"/>
+                        <a:srgbClr val="197A75"/>
                       </a:solidFill>
                       <a:prstDash val="solid"/>
                       <a:round/>
@@ -4391,7 +4503,7 @@
                     </a:lnR>
                     <a:lnT w="12700" cap="flat" cmpd="sng" algn="ctr">
                       <a:solidFill>
-                        <a:srgbClr val="70C0BC"/>
+                        <a:srgbClr val="197A75"/>
                       </a:solidFill>
                       <a:prstDash val="solid"/>
                       <a:round/>
@@ -4400,13 +4512,21 @@
                     </a:lnT>
                     <a:lnB w="12700" cap="flat" cmpd="sng" algn="ctr">
                       <a:solidFill>
-                        <a:srgbClr val="70C0BC"/>
+                        <a:srgbClr val="197A75"/>
                       </a:solidFill>
                       <a:prstDash val="solid"/>
                       <a:round/>
                       <a:headEnd type="none" w="med" len="med"/>
                       <a:tailEnd type="none" w="med" len="med"/>
                     </a:lnB>
+                    <a:lnTlToBr w="12700" cmpd="sng">
+                      <a:noFill/>
+                      <a:prstDash val="solid"/>
+                    </a:lnTlToBr>
+                    <a:lnBlToTr w="12700" cmpd="sng">
+                      <a:noFill/>
+                      <a:prstDash val="solid"/>
+                    </a:lnBlToTr>
                   </a:tcPr>
                 </a:tc>
                 <a:tc>
@@ -4428,7 +4548,7 @@
                   <a:tcPr>
                     <a:lnL w="12700" cap="flat" cmpd="sng" algn="ctr">
                       <a:solidFill>
-                        <a:srgbClr val="70C0BC"/>
+                        <a:srgbClr val="197A75"/>
                       </a:solidFill>
                       <a:prstDash val="solid"/>
                       <a:round/>
@@ -4437,7 +4557,7 @@
                     </a:lnL>
                     <a:lnR w="12700" cap="flat" cmpd="sng" algn="ctr">
                       <a:solidFill>
-                        <a:srgbClr val="70C0BC"/>
+                        <a:srgbClr val="197A75"/>
                       </a:solidFill>
                       <a:prstDash val="solid"/>
                       <a:round/>
@@ -4446,7 +4566,7 @@
                     </a:lnR>
                     <a:lnT w="12700" cap="flat" cmpd="sng" algn="ctr">
                       <a:solidFill>
-                        <a:srgbClr val="70C0BC"/>
+                        <a:srgbClr val="197A75"/>
                       </a:solidFill>
                       <a:prstDash val="solid"/>
                       <a:round/>
@@ -4455,13 +4575,21 @@
                     </a:lnT>
                     <a:lnB w="12700" cap="flat" cmpd="sng" algn="ctr">
                       <a:solidFill>
-                        <a:srgbClr val="70C0BC"/>
+                        <a:srgbClr val="197A75"/>
                       </a:solidFill>
                       <a:prstDash val="solid"/>
                       <a:round/>
                       <a:headEnd type="none" w="med" len="med"/>
                       <a:tailEnd type="none" w="med" len="med"/>
                     </a:lnB>
+                    <a:lnTlToBr w="12700" cmpd="sng">
+                      <a:noFill/>
+                      <a:prstDash val="solid"/>
+                    </a:lnTlToBr>
+                    <a:lnBlToTr w="12700" cmpd="sng">
+                      <a:noFill/>
+                      <a:prstDash val="solid"/>
+                    </a:lnBlToTr>
                   </a:tcPr>
                 </a:tc>
                 <a:extLst>
@@ -4490,7 +4618,7 @@
                   <a:tcPr>
                     <a:lnL w="12700" cap="flat" cmpd="sng" algn="ctr">
                       <a:solidFill>
-                        <a:srgbClr val="70C0BC"/>
+                        <a:srgbClr val="197A75"/>
                       </a:solidFill>
                       <a:prstDash val="solid"/>
                       <a:round/>
@@ -4499,7 +4627,7 @@
                     </a:lnL>
                     <a:lnR w="12700" cap="flat" cmpd="sng" algn="ctr">
                       <a:solidFill>
-                        <a:srgbClr val="70C0BC"/>
+                        <a:srgbClr val="197A75"/>
                       </a:solidFill>
                       <a:prstDash val="solid"/>
                       <a:round/>
@@ -4508,7 +4636,7 @@
                     </a:lnR>
                     <a:lnT w="12700" cap="flat" cmpd="sng" algn="ctr">
                       <a:solidFill>
-                        <a:srgbClr val="70C0BC"/>
+                        <a:srgbClr val="197A75"/>
                       </a:solidFill>
                       <a:prstDash val="solid"/>
                       <a:round/>
@@ -4517,13 +4645,21 @@
                     </a:lnT>
                     <a:lnB w="12700" cap="flat" cmpd="sng" algn="ctr">
                       <a:solidFill>
-                        <a:srgbClr val="70C0BC"/>
+                        <a:srgbClr val="197A75"/>
                       </a:solidFill>
                       <a:prstDash val="solid"/>
                       <a:round/>
                       <a:headEnd type="none" w="med" len="med"/>
                       <a:tailEnd type="none" w="med" len="med"/>
                     </a:lnB>
+                    <a:lnTlToBr w="12700" cmpd="sng">
+                      <a:noFill/>
+                      <a:prstDash val="solid"/>
+                    </a:lnTlToBr>
+                    <a:lnBlToTr w="12700" cmpd="sng">
+                      <a:noFill/>
+                      <a:prstDash val="solid"/>
+                    </a:lnBlToTr>
                   </a:tcPr>
                 </a:tc>
                 <a:tc>
@@ -4545,7 +4681,7 @@
                   <a:tcPr>
                     <a:lnL w="12700" cap="flat" cmpd="sng" algn="ctr">
                       <a:solidFill>
-                        <a:srgbClr val="70C0BC"/>
+                        <a:srgbClr val="197A75"/>
                       </a:solidFill>
                       <a:prstDash val="solid"/>
                       <a:round/>
@@ -4554,7 +4690,7 @@
                     </a:lnL>
                     <a:lnR w="12700" cap="flat" cmpd="sng" algn="ctr">
                       <a:solidFill>
-                        <a:srgbClr val="70C0BC"/>
+                        <a:srgbClr val="197A75"/>
                       </a:solidFill>
                       <a:prstDash val="solid"/>
                       <a:round/>
@@ -4563,7 +4699,7 @@
                     </a:lnR>
                     <a:lnT w="12700" cap="flat" cmpd="sng" algn="ctr">
                       <a:solidFill>
-                        <a:srgbClr val="70C0BC"/>
+                        <a:srgbClr val="197A75"/>
                       </a:solidFill>
                       <a:prstDash val="solid"/>
                       <a:round/>
@@ -4572,13 +4708,21 @@
                     </a:lnT>
                     <a:lnB w="12700" cap="flat" cmpd="sng" algn="ctr">
                       <a:solidFill>
-                        <a:srgbClr val="70C0BC"/>
+                        <a:srgbClr val="197A75"/>
                       </a:solidFill>
                       <a:prstDash val="solid"/>
                       <a:round/>
                       <a:headEnd type="none" w="med" len="med"/>
                       <a:tailEnd type="none" w="med" len="med"/>
                     </a:lnB>
+                    <a:lnTlToBr w="12700" cmpd="sng">
+                      <a:noFill/>
+                      <a:prstDash val="solid"/>
+                    </a:lnTlToBr>
+                    <a:lnBlToTr w="12700" cmpd="sng">
+                      <a:noFill/>
+                      <a:prstDash val="solid"/>
+                    </a:lnBlToTr>
                   </a:tcPr>
                 </a:tc>
                 <a:tc>
@@ -4600,7 +4744,7 @@
                   <a:tcPr>
                     <a:lnL w="12700" cap="flat" cmpd="sng" algn="ctr">
                       <a:solidFill>
-                        <a:srgbClr val="70C0BC"/>
+                        <a:srgbClr val="197A75"/>
                       </a:solidFill>
                       <a:prstDash val="solid"/>
                       <a:round/>
@@ -4609,7 +4753,7 @@
                     </a:lnL>
                     <a:lnR w="12700" cap="flat" cmpd="sng" algn="ctr">
                       <a:solidFill>
-                        <a:srgbClr val="70C0BC"/>
+                        <a:srgbClr val="197A75"/>
                       </a:solidFill>
                       <a:prstDash val="solid"/>
                       <a:round/>
@@ -4618,7 +4762,7 @@
                     </a:lnR>
                     <a:lnT w="12700" cap="flat" cmpd="sng" algn="ctr">
                       <a:solidFill>
-                        <a:srgbClr val="70C0BC"/>
+                        <a:srgbClr val="197A75"/>
                       </a:solidFill>
                       <a:prstDash val="solid"/>
                       <a:round/>
@@ -4627,13 +4771,21 @@
                     </a:lnT>
                     <a:lnB w="12700" cap="flat" cmpd="sng" algn="ctr">
                       <a:solidFill>
-                        <a:srgbClr val="70C0BC"/>
+                        <a:srgbClr val="197A75"/>
                       </a:solidFill>
                       <a:prstDash val="solid"/>
                       <a:round/>
                       <a:headEnd type="none" w="med" len="med"/>
                       <a:tailEnd type="none" w="med" len="med"/>
                     </a:lnB>
+                    <a:lnTlToBr w="12700" cmpd="sng">
+                      <a:noFill/>
+                      <a:prstDash val="solid"/>
+                    </a:lnTlToBr>
+                    <a:lnBlToTr w="12700" cmpd="sng">
+                      <a:noFill/>
+                      <a:prstDash val="solid"/>
+                    </a:lnBlToTr>
                   </a:tcPr>
                 </a:tc>
                 <a:extLst>
@@ -4731,7 +4883,7 @@
             <a:avLst/>
           </a:prstGeom>
           <a:solidFill>
-            <a:srgbClr val="51AFA5"/>
+            <a:srgbClr val="197A75"/>
           </a:solidFill>
         </p:spPr>
         <p:txBody>
@@ -4788,7 +4940,11 @@
             <p:ph type="title"/>
           </p:nvPr>
         </p:nvSpPr>
-        <p:spPr/>
+        <p:spPr>
+          <a:solidFill>
+            <a:srgbClr val="197A75"/>
+          </a:solidFill>
+        </p:spPr>
         <p:txBody>
           <a:bodyPr/>
           <a:lstStyle/>
@@ -5936,15 +6092,6 @@
 </file>
 
 <file path=customXml/item2.xml><?xml version="1.0" encoding="utf-8"?>
-<?mso-contentType ?>
-<FormTemplates xmlns="http://schemas.microsoft.com/sharepoint/v3/contenttype/forms">
-  <Display>DocumentLibraryForm</Display>
-  <Edit>DocumentLibraryForm</Edit>
-  <New>DocumentLibraryForm</New>
-</FormTemplates>
-</file>
-
-<file path=customXml/item3.xml><?xml version="1.0" encoding="utf-8"?>
 <p:properties xmlns:p="http://schemas.microsoft.com/office/2006/metadata/properties" xmlns:xsi="http://www.w3.org/2001/XMLSchema-instance" xmlns:pc="http://schemas.microsoft.com/office/infopath/2007/PartnerControls">
   <documentManagement>
     <lcf76f155ced4ddcb4097134ff3c332f xmlns="b2c65dd8-3319-4153-b788-6c22f81e234f">
@@ -5954,6 +6101,15 @@
     <_Flow_SignoffStatus xmlns="b2c65dd8-3319-4153-b788-6c22f81e234f" xsi:nil="true"/>
   </documentManagement>
 </p:properties>
+</file>
+
+<file path=customXml/item3.xml><?xml version="1.0" encoding="utf-8"?>
+<?mso-contentType ?>
+<FormTemplates xmlns="http://schemas.microsoft.com/sharepoint/v3/contenttype/forms">
+  <Display>DocumentLibraryForm</Display>
+  <Edit>DocumentLibraryForm</Edit>
+  <New>DocumentLibraryForm</New>
+</FormTemplates>
 </file>
 
 <file path=customXml/itemProps1.xml><?xml version="1.0" encoding="utf-8"?>
@@ -5976,14 +6132,6 @@
 </file>
 
 <file path=customXml/itemProps2.xml><?xml version="1.0" encoding="utf-8"?>
-<ds:datastoreItem xmlns:ds="http://schemas.openxmlformats.org/officeDocument/2006/customXml" ds:itemID="{FEDD80F8-56CF-43CC-BDFE-0C46F50F3F54}">
-  <ds:schemaRefs>
-    <ds:schemaRef ds:uri="http://schemas.microsoft.com/sharepoint/v3/contenttype/forms"/>
-  </ds:schemaRefs>
-</ds:datastoreItem>
-</file>
-
-<file path=customXml/itemProps3.xml><?xml version="1.0" encoding="utf-8"?>
 <ds:datastoreItem xmlns:ds="http://schemas.openxmlformats.org/officeDocument/2006/customXml" ds:itemID="{7E4D041C-C424-4EB5-9279-B7617D55E990}">
   <ds:schemaRefs>
     <ds:schemaRef ds:uri="http://schemas.microsoft.com/office/2006/documentManagement/types"/>
@@ -5998,4 +6146,12 @@
     <ds:schemaRef ds:uri="http://purl.org/dc/dcmitype/"/>
   </ds:schemaRefs>
 </ds:datastoreItem>
+</file>
+
+<file path=customXml/itemProps3.xml><?xml version="1.0" encoding="utf-8"?>
+<ds:datastoreItem xmlns:ds="http://schemas.openxmlformats.org/officeDocument/2006/customXml" ds:itemID="{FEDD80F8-56CF-43CC-BDFE-0C46F50F3F54}">
+  <ds:schemaRefs>
+    <ds:schemaRef ds:uri="http://schemas.microsoft.com/sharepoint/v3/contenttype/forms"/>
+  </ds:schemaRefs>
+</ds:datastoreItem>
 </file>
--- a/template/sawakai_template.pptx
+++ b/template/sawakai_template.pptx
@@ -6092,6 +6092,15 @@
 </file>
 
 <file path=customXml/item2.xml><?xml version="1.0" encoding="utf-8"?>
+<?mso-contentType ?>
+<FormTemplates xmlns="http://schemas.microsoft.com/sharepoint/v3/contenttype/forms">
+  <Display>DocumentLibraryForm</Display>
+  <Edit>DocumentLibraryForm</Edit>
+  <New>DocumentLibraryForm</New>
+</FormTemplates>
+</file>
+
+<file path=customXml/item3.xml><?xml version="1.0" encoding="utf-8"?>
 <p:properties xmlns:p="http://schemas.microsoft.com/office/2006/metadata/properties" xmlns:xsi="http://www.w3.org/2001/XMLSchema-instance" xmlns:pc="http://schemas.microsoft.com/office/infopath/2007/PartnerControls">
   <documentManagement>
     <lcf76f155ced4ddcb4097134ff3c332f xmlns="b2c65dd8-3319-4153-b788-6c22f81e234f">
@@ -6101,15 +6110,6 @@
     <_Flow_SignoffStatus xmlns="b2c65dd8-3319-4153-b788-6c22f81e234f" xsi:nil="true"/>
   </documentManagement>
 </p:properties>
-</file>
-
-<file path=customXml/item3.xml><?xml version="1.0" encoding="utf-8"?>
-<?mso-contentType ?>
-<FormTemplates xmlns="http://schemas.microsoft.com/sharepoint/v3/contenttype/forms">
-  <Display>DocumentLibraryForm</Display>
-  <Edit>DocumentLibraryForm</Edit>
-  <New>DocumentLibraryForm</New>
-</FormTemplates>
 </file>
 
 <file path=customXml/itemProps1.xml><?xml version="1.0" encoding="utf-8"?>
@@ -6132,6 +6132,14 @@
 </file>
 
 <file path=customXml/itemProps2.xml><?xml version="1.0" encoding="utf-8"?>
+<ds:datastoreItem xmlns:ds="http://schemas.openxmlformats.org/officeDocument/2006/customXml" ds:itemID="{FEDD80F8-56CF-43CC-BDFE-0C46F50F3F54}">
+  <ds:schemaRefs>
+    <ds:schemaRef ds:uri="http://schemas.microsoft.com/sharepoint/v3/contenttype/forms"/>
+  </ds:schemaRefs>
+</ds:datastoreItem>
+</file>
+
+<file path=customXml/itemProps3.xml><?xml version="1.0" encoding="utf-8"?>
 <ds:datastoreItem xmlns:ds="http://schemas.openxmlformats.org/officeDocument/2006/customXml" ds:itemID="{7E4D041C-C424-4EB5-9279-B7617D55E990}">
   <ds:schemaRefs>
     <ds:schemaRef ds:uri="http://schemas.microsoft.com/office/2006/documentManagement/types"/>
@@ -6146,12 +6154,4 @@
     <ds:schemaRef ds:uri="http://purl.org/dc/dcmitype/"/>
   </ds:schemaRefs>
 </ds:datastoreItem>
-</file>
-
-<file path=customXml/itemProps3.xml><?xml version="1.0" encoding="utf-8"?>
-<ds:datastoreItem xmlns:ds="http://schemas.openxmlformats.org/officeDocument/2006/customXml" ds:itemID="{FEDD80F8-56CF-43CC-BDFE-0C46F50F3F54}">
-  <ds:schemaRefs>
-    <ds:schemaRef ds:uri="http://schemas.microsoft.com/sharepoint/v3/contenttype/forms"/>
-  </ds:schemaRefs>
-</ds:datastoreItem>
 </file>